--- a/Dissertation/Scaling the Dynamic Video Calling Application.pptx
+++ b/Dissertation/Scaling the Dynamic Video Calling Application.pptx
@@ -2,13 +2,16 @@
 <file path=ppt/presentation.xml><?xml version="1.0" encoding="utf-8"?>
 <p:presentation xmlns:a="http://schemas.openxmlformats.org/drawingml/2006/main" xmlns:r="http://schemas.openxmlformats.org/officeDocument/2006/relationships" xmlns:p="http://schemas.openxmlformats.org/presentationml/2006/main" saveSubsetFonts="1">
   <p:sldMasterIdLst>
-    <p:sldMasterId id="2147483786" r:id="rId1"/>
+    <p:sldMasterId id="2147483803" r:id="rId1"/>
   </p:sldMasterIdLst>
   <p:sldIdLst>
     <p:sldId id="256" r:id="rId2"/>
     <p:sldId id="257" r:id="rId3"/>
     <p:sldId id="258" r:id="rId4"/>
     <p:sldId id="259" r:id="rId5"/>
+    <p:sldId id="260" r:id="rId6"/>
+    <p:sldId id="261" r:id="rId7"/>
+    <p:sldId id="262" r:id="rId8"/>
   </p:sldIdLst>
   <p:sldSz cx="12192000" cy="6858000"/>
   <p:notesSz cx="6858000" cy="9144000"/>
@@ -129,7 +132,7 @@
       </p:grpSpPr>
       <p:grpSp>
         <p:nvGrpSpPr>
-          <p:cNvPr id="7" name="Group 6"/>
+          <p:cNvPr id="8" name="Group 7"/>
           <p:cNvGrpSpPr/>
           <p:nvPr/>
         </p:nvGrpSpPr>
@@ -158,7 +161,8 @@
             <a:ln w="9525">
               <a:solidFill>
                 <a:schemeClr val="bg1">
-                  <a:lumMod val="75000"/>
+                  <a:lumMod val="85000"/>
+                  <a:lumOff val="15000"/>
                 </a:schemeClr>
               </a:solidFill>
             </a:ln>
@@ -196,6 +200,7 @@
               <a:solidFill>
                 <a:schemeClr val="bg1">
                   <a:lumMod val="85000"/>
+                  <a:lumOff val="15000"/>
                 </a:schemeClr>
               </a:solidFill>
             </a:ln>
@@ -885,7 +890,7 @@
     </p:spTree>
     <p:extLst>
       <p:ext uri="{BB962C8B-B14F-4D97-AF65-F5344CB8AC3E}">
-        <p14:creationId xmlns:p14="http://schemas.microsoft.com/office/powerpoint/2010/main" val="41413242"/>
+        <p14:creationId xmlns:p14="http://schemas.microsoft.com/office/powerpoint/2010/main" val="2621796233"/>
       </p:ext>
     </p:extLst>
   </p:cSld>
@@ -1138,7 +1143,7 @@
     </p:spTree>
     <p:extLst>
       <p:ext uri="{BB962C8B-B14F-4D97-AF65-F5344CB8AC3E}">
-        <p14:creationId xmlns:p14="http://schemas.microsoft.com/office/powerpoint/2010/main" val="2653564022"/>
+        <p14:creationId xmlns:p14="http://schemas.microsoft.com/office/powerpoint/2010/main" val="4050594763"/>
       </p:ext>
     </p:extLst>
   </p:cSld>
@@ -1479,10 +1484,7 @@
                   <a:noFill/>
                 </a:ln>
                 <a:solidFill>
-                  <a:schemeClr val="accent1">
-                    <a:lumMod val="60000"/>
-                    <a:lumOff val="40000"/>
-                  </a:schemeClr>
+                  <a:schemeClr val="accent1"/>
                 </a:solidFill>
                 <a:effectLst/>
                 <a:latin typeface="Arial"/>
@@ -1520,31 +1522,20 @@
                   <a:noFill/>
                 </a:ln>
                 <a:solidFill>
-                  <a:schemeClr val="accent1">
-                    <a:lumMod val="60000"/>
-                    <a:lumOff val="40000"/>
-                  </a:schemeClr>
-                </a:solidFill>
+                  <a:schemeClr val="accent1"/>
+                </a:solidFill>
+                <a:effectLst/>
                 <a:latin typeface="Arial"/>
               </a:rPr>
               <a:t>”</a:t>
             </a:r>
-            <a:endParaRPr lang="en-US" dirty="0">
-              <a:solidFill>
-                <a:schemeClr val="accent1">
-                  <a:lumMod val="60000"/>
-                  <a:lumOff val="40000"/>
-                </a:schemeClr>
-              </a:solidFill>
-              <a:latin typeface="Arial"/>
-            </a:endParaRPr>
           </a:p>
         </p:txBody>
       </p:sp>
     </p:spTree>
     <p:extLst>
       <p:ext uri="{BB962C8B-B14F-4D97-AF65-F5344CB8AC3E}">
-        <p14:creationId xmlns:p14="http://schemas.microsoft.com/office/powerpoint/2010/main" val="816452255"/>
+        <p14:creationId xmlns:p14="http://schemas.microsoft.com/office/powerpoint/2010/main" val="3776724860"/>
       </p:ext>
     </p:extLst>
   </p:cSld>
@@ -1797,7 +1788,7 @@
     </p:spTree>
     <p:extLst>
       <p:ext uri="{BB962C8B-B14F-4D97-AF65-F5344CB8AC3E}">
-        <p14:creationId xmlns:p14="http://schemas.microsoft.com/office/powerpoint/2010/main" val="1923518929"/>
+        <p14:creationId xmlns:p14="http://schemas.microsoft.com/office/powerpoint/2010/main" val="3426700435"/>
       </p:ext>
     </p:extLst>
   </p:cSld>
@@ -2138,10 +2129,7 @@
                   <a:noFill/>
                 </a:ln>
                 <a:solidFill>
-                  <a:schemeClr val="accent1">
-                    <a:lumMod val="60000"/>
-                    <a:lumOff val="40000"/>
-                  </a:schemeClr>
+                  <a:schemeClr val="accent1"/>
                 </a:solidFill>
                 <a:effectLst/>
                 <a:latin typeface="Arial"/>
@@ -2179,10 +2167,7 @@
                   <a:noFill/>
                 </a:ln>
                 <a:solidFill>
-                  <a:schemeClr val="accent1">
-                    <a:lumMod val="60000"/>
-                    <a:lumOff val="40000"/>
-                  </a:schemeClr>
+                  <a:schemeClr val="accent1"/>
                 </a:solidFill>
                 <a:effectLst/>
                 <a:latin typeface="Arial"/>
@@ -2195,7 +2180,7 @@
     </p:spTree>
     <p:extLst>
       <p:ext uri="{BB962C8B-B14F-4D97-AF65-F5344CB8AC3E}">
-        <p14:creationId xmlns:p14="http://schemas.microsoft.com/office/powerpoint/2010/main" val="4183957499"/>
+        <p14:creationId xmlns:p14="http://schemas.microsoft.com/office/powerpoint/2010/main" val="1042339725"/>
       </p:ext>
     </p:extLst>
   </p:cSld>
@@ -2508,7 +2493,7 @@
     </p:spTree>
     <p:extLst>
       <p:ext uri="{BB962C8B-B14F-4D97-AF65-F5344CB8AC3E}">
-        <p14:creationId xmlns:p14="http://schemas.microsoft.com/office/powerpoint/2010/main" val="1276305679"/>
+        <p14:creationId xmlns:p14="http://schemas.microsoft.com/office/powerpoint/2010/main" val="4114655022"/>
       </p:ext>
     </p:extLst>
   </p:cSld>
@@ -2678,7 +2663,7 @@
     </p:spTree>
     <p:extLst>
       <p:ext uri="{BB962C8B-B14F-4D97-AF65-F5344CB8AC3E}">
-        <p14:creationId xmlns:p14="http://schemas.microsoft.com/office/powerpoint/2010/main" val="1750745581"/>
+        <p14:creationId xmlns:p14="http://schemas.microsoft.com/office/powerpoint/2010/main" val="3230155106"/>
       </p:ext>
     </p:extLst>
   </p:cSld>
@@ -2858,7 +2843,7 @@
     </p:spTree>
     <p:extLst>
       <p:ext uri="{BB962C8B-B14F-4D97-AF65-F5344CB8AC3E}">
-        <p14:creationId xmlns:p14="http://schemas.microsoft.com/office/powerpoint/2010/main" val="1306380985"/>
+        <p14:creationId xmlns:p14="http://schemas.microsoft.com/office/powerpoint/2010/main" val="1869054872"/>
       </p:ext>
     </p:extLst>
   </p:cSld>
@@ -3034,7 +3019,7 @@
     </p:spTree>
     <p:extLst>
       <p:ext uri="{BB962C8B-B14F-4D97-AF65-F5344CB8AC3E}">
-        <p14:creationId xmlns:p14="http://schemas.microsoft.com/office/powerpoint/2010/main" val="3003557075"/>
+        <p14:creationId xmlns:p14="http://schemas.microsoft.com/office/powerpoint/2010/main" val="1737398257"/>
       </p:ext>
     </p:extLst>
   </p:cSld>
@@ -3281,7 +3266,7 @@
     </p:spTree>
     <p:extLst>
       <p:ext uri="{BB962C8B-B14F-4D97-AF65-F5344CB8AC3E}">
-        <p14:creationId xmlns:p14="http://schemas.microsoft.com/office/powerpoint/2010/main" val="263013182"/>
+        <p14:creationId xmlns:p14="http://schemas.microsoft.com/office/powerpoint/2010/main" val="3257404054"/>
       </p:ext>
     </p:extLst>
   </p:cSld>
@@ -3513,7 +3498,7 @@
     </p:spTree>
     <p:extLst>
       <p:ext uri="{BB962C8B-B14F-4D97-AF65-F5344CB8AC3E}">
-        <p14:creationId xmlns:p14="http://schemas.microsoft.com/office/powerpoint/2010/main" val="749650104"/>
+        <p14:creationId xmlns:p14="http://schemas.microsoft.com/office/powerpoint/2010/main" val="1022487764"/>
       </p:ext>
     </p:extLst>
   </p:cSld>
@@ -3887,7 +3872,7 @@
     </p:spTree>
     <p:extLst>
       <p:ext uri="{BB962C8B-B14F-4D97-AF65-F5344CB8AC3E}">
-        <p14:creationId xmlns:p14="http://schemas.microsoft.com/office/powerpoint/2010/main" val="2828510304"/>
+        <p14:creationId xmlns:p14="http://schemas.microsoft.com/office/powerpoint/2010/main" val="2742875246"/>
       </p:ext>
     </p:extLst>
   </p:cSld>
@@ -4010,7 +3995,7 @@
     </p:spTree>
     <p:extLst>
       <p:ext uri="{BB962C8B-B14F-4D97-AF65-F5344CB8AC3E}">
-        <p14:creationId xmlns:p14="http://schemas.microsoft.com/office/powerpoint/2010/main" val="962284453"/>
+        <p14:creationId xmlns:p14="http://schemas.microsoft.com/office/powerpoint/2010/main" val="1135993318"/>
       </p:ext>
     </p:extLst>
   </p:cSld>
@@ -4107,7 +4092,7 @@
     </p:spTree>
     <p:extLst>
       <p:ext uri="{BB962C8B-B14F-4D97-AF65-F5344CB8AC3E}">
-        <p14:creationId xmlns:p14="http://schemas.microsoft.com/office/powerpoint/2010/main" val="3601461782"/>
+        <p14:creationId xmlns:p14="http://schemas.microsoft.com/office/powerpoint/2010/main" val="2372166202"/>
       </p:ext>
     </p:extLst>
   </p:cSld>
@@ -4362,7 +4347,7 @@
     </p:spTree>
     <p:extLst>
       <p:ext uri="{BB962C8B-B14F-4D97-AF65-F5344CB8AC3E}">
-        <p14:creationId xmlns:p14="http://schemas.microsoft.com/office/powerpoint/2010/main" val="575609935"/>
+        <p14:creationId xmlns:p14="http://schemas.microsoft.com/office/powerpoint/2010/main" val="1905533926"/>
       </p:ext>
     </p:extLst>
   </p:cSld>
@@ -4625,7 +4610,7 @@
     </p:spTree>
     <p:extLst>
       <p:ext uri="{BB962C8B-B14F-4D97-AF65-F5344CB8AC3E}">
-        <p14:creationId xmlns:p14="http://schemas.microsoft.com/office/powerpoint/2010/main" val="843251428"/>
+        <p14:creationId xmlns:p14="http://schemas.microsoft.com/office/powerpoint/2010/main" val="1898850169"/>
       </p:ext>
     </p:extLst>
   </p:cSld>
@@ -4640,7 +4625,7 @@
   <p:cSld>
     <p:bg>
       <p:bgRef idx="1001">
-        <a:schemeClr val="bg1"/>
+        <a:schemeClr val="bg2"/>
       </p:bgRef>
     </p:bg>
     <p:spTree>
@@ -4659,7 +4644,7 @@
       </p:grpSpPr>
       <p:grpSp>
         <p:nvGrpSpPr>
-          <p:cNvPr id="7" name="Group 6"/>
+          <p:cNvPr id="8" name="Group 7"/>
           <p:cNvGrpSpPr/>
           <p:nvPr/>
         </p:nvGrpSpPr>
@@ -4688,7 +4673,8 @@
             <a:ln w="9525">
               <a:solidFill>
                 <a:schemeClr val="bg1">
-                  <a:lumMod val="75000"/>
+                  <a:lumMod val="85000"/>
+                  <a:lumOff val="15000"/>
                 </a:schemeClr>
               </a:solidFill>
             </a:ln>
@@ -4726,6 +4712,7 @@
               <a:solidFill>
                 <a:schemeClr val="bg1">
                   <a:lumMod val="85000"/>
+                  <a:lumOff val="15000"/>
                 </a:schemeClr>
               </a:solidFill>
             </a:ln>
@@ -5404,28 +5391,28 @@
     </p:spTree>
     <p:extLst>
       <p:ext uri="{BB962C8B-B14F-4D97-AF65-F5344CB8AC3E}">
-        <p14:creationId xmlns:p14="http://schemas.microsoft.com/office/powerpoint/2010/main" val="3182820236"/>
+        <p14:creationId xmlns:p14="http://schemas.microsoft.com/office/powerpoint/2010/main" val="4142886689"/>
       </p:ext>
     </p:extLst>
   </p:cSld>
-  <p:clrMap bg1="lt1" tx1="dk1" bg2="lt2" tx2="dk2" accent1="accent1" accent2="accent2" accent3="accent3" accent4="accent4" accent5="accent5" accent6="accent6" hlink="hlink" folHlink="folHlink"/>
+  <p:clrMap bg1="dk1" tx1="lt1" bg2="dk2" tx2="lt2" accent1="accent1" accent2="accent2" accent3="accent3" accent4="accent4" accent5="accent5" accent6="accent6" hlink="hlink" folHlink="folHlink"/>
   <p:sldLayoutIdLst>
-    <p:sldLayoutId id="2147483787" r:id="rId1"/>
-    <p:sldLayoutId id="2147483788" r:id="rId2"/>
-    <p:sldLayoutId id="2147483789" r:id="rId3"/>
-    <p:sldLayoutId id="2147483790" r:id="rId4"/>
-    <p:sldLayoutId id="2147483791" r:id="rId5"/>
-    <p:sldLayoutId id="2147483792" r:id="rId6"/>
-    <p:sldLayoutId id="2147483793" r:id="rId7"/>
-    <p:sldLayoutId id="2147483794" r:id="rId8"/>
-    <p:sldLayoutId id="2147483795" r:id="rId9"/>
-    <p:sldLayoutId id="2147483796" r:id="rId10"/>
-    <p:sldLayoutId id="2147483797" r:id="rId11"/>
-    <p:sldLayoutId id="2147483798" r:id="rId12"/>
-    <p:sldLayoutId id="2147483799" r:id="rId13"/>
-    <p:sldLayoutId id="2147483800" r:id="rId14"/>
-    <p:sldLayoutId id="2147483801" r:id="rId15"/>
-    <p:sldLayoutId id="2147483802" r:id="rId16"/>
+    <p:sldLayoutId id="2147483804" r:id="rId1"/>
+    <p:sldLayoutId id="2147483805" r:id="rId2"/>
+    <p:sldLayoutId id="2147483806" r:id="rId3"/>
+    <p:sldLayoutId id="2147483807" r:id="rId4"/>
+    <p:sldLayoutId id="2147483808" r:id="rId5"/>
+    <p:sldLayoutId id="2147483809" r:id="rId6"/>
+    <p:sldLayoutId id="2147483810" r:id="rId7"/>
+    <p:sldLayoutId id="2147483811" r:id="rId8"/>
+    <p:sldLayoutId id="2147483812" r:id="rId9"/>
+    <p:sldLayoutId id="2147483813" r:id="rId10"/>
+    <p:sldLayoutId id="2147483814" r:id="rId11"/>
+    <p:sldLayoutId id="2147483815" r:id="rId12"/>
+    <p:sldLayoutId id="2147483816" r:id="rId13"/>
+    <p:sldLayoutId id="2147483817" r:id="rId14"/>
+    <p:sldLayoutId id="2147483818" r:id="rId15"/>
+    <p:sldLayoutId id="2147483819" r:id="rId16"/>
   </p:sldLayoutIdLst>
   <p:txStyles>
     <p:titleStyle>
@@ -6008,7 +5995,7 @@
           <a:lstStyle/>
           <a:p>
             <a:r>
-              <a:rPr lang="en-GB" sz="1600"/>
+              <a:rPr lang="en-GB" sz="1600" dirty="0"/>
               <a:t>Lewis Raeburn</a:t>
             </a:r>
           </a:p>
@@ -6105,7 +6092,7 @@
         </p:nvSpPr>
         <p:spPr>
           <a:xfrm>
-            <a:off x="565151" y="2160016"/>
+            <a:off x="565150" y="1628394"/>
             <a:ext cx="4502150" cy="3601212"/>
           </a:xfrm>
         </p:spPr>
@@ -6250,7 +6237,12 @@
             <p:ph idx="1"/>
           </p:nvPr>
         </p:nvSpPr>
-        <p:spPr/>
+        <p:spPr>
+          <a:xfrm>
+            <a:off x="677334" y="1565785"/>
+            <a:ext cx="7445734" cy="3880773"/>
+          </a:xfrm>
+        </p:spPr>
         <p:txBody>
           <a:bodyPr/>
           <a:lstStyle/>
@@ -6264,6 +6256,12 @@
             <a:r>
               <a:rPr lang="en-GB" dirty="0"/>
               <a:t>Application should not become unusable under any circumstances</a:t>
+            </a:r>
+          </a:p>
+          <a:p>
+            <a:r>
+              <a:rPr lang="en-GB" dirty="0"/>
+              <a:t>Connection errors / application crashing bugs should not be present</a:t>
             </a:r>
           </a:p>
         </p:txBody>
@@ -6342,9 +6340,16 @@
             <p:ph idx="1"/>
           </p:nvPr>
         </p:nvSpPr>
-        <p:spPr/>
-        <p:txBody>
-          <a:bodyPr/>
+        <p:spPr>
+          <a:xfrm>
+            <a:off x="677334" y="1488613"/>
+            <a:ext cx="8596668" cy="3880773"/>
+          </a:xfrm>
+        </p:spPr>
+        <p:txBody>
+          <a:bodyPr>
+            <a:normAutofit lnSpcReduction="10000"/>
+          </a:bodyPr>
           <a:lstStyle/>
           <a:p>
             <a:r>
@@ -6367,19 +6372,14 @@
           <a:p>
             <a:r>
               <a:rPr lang="en-GB" dirty="0"/>
-              <a:t>Also, measure CPU usage, message input / output rate, and message processing time of server processes as application runs</a:t>
+              <a:t>Also, measure CPU usage, message input / output rate, and message processing time of server processes as application runs (with automated version of application)</a:t>
             </a:r>
           </a:p>
           <a:p>
             <a:r>
               <a:rPr lang="en-GB" dirty="0"/>
-              <a:t>Optimize exchange of messages such that the number of messages sent to the server </a:t>
-            </a:r>
-            <a:r>
-              <a:rPr lang="en-GB"/>
-              <a:t>is minimized</a:t>
-            </a:r>
-            <a:endParaRPr lang="en-GB" dirty="0"/>
+              <a:t>Optimize exchange of messages such that the number of messages sent to the server is minimized</a:t>
+            </a:r>
           </a:p>
         </p:txBody>
       </p:sp>
@@ -6387,6 +6387,566 @@
     <p:extLst>
       <p:ext uri="{BB962C8B-B14F-4D97-AF65-F5344CB8AC3E}">
         <p14:creationId xmlns:p14="http://schemas.microsoft.com/office/powerpoint/2010/main" val="3024950651"/>
+      </p:ext>
+    </p:extLst>
+  </p:cSld>
+  <p:clrMapOvr>
+    <a:masterClrMapping/>
+  </p:clrMapOvr>
+</p:sld>
+</file>
+
+<file path=ppt/slides/slide5.xml><?xml version="1.0" encoding="utf-8"?>
+<p:sld xmlns:a="http://schemas.openxmlformats.org/drawingml/2006/main" xmlns:r="http://schemas.openxmlformats.org/officeDocument/2006/relationships" xmlns:p="http://schemas.openxmlformats.org/presentationml/2006/main">
+  <p:cSld>
+    <p:spTree>
+      <p:nvGrpSpPr>
+        <p:cNvPr id="1" name=""/>
+        <p:cNvGrpSpPr/>
+        <p:nvPr/>
+      </p:nvGrpSpPr>
+      <p:grpSpPr>
+        <a:xfrm>
+          <a:off x="0" y="0"/>
+          <a:ext cx="0" cy="0"/>
+          <a:chOff x="0" y="0"/>
+          <a:chExt cx="0" cy="0"/>
+        </a:xfrm>
+      </p:grpSpPr>
+      <p:sp>
+        <p:nvSpPr>
+          <p:cNvPr id="2" name="Title 1">
+            <a:extLst>
+              <a:ext uri="{FF2B5EF4-FFF2-40B4-BE49-F238E27FC236}">
+                <a16:creationId xmlns:a16="http://schemas.microsoft.com/office/drawing/2014/main" id="{0854A821-F0DF-D01F-2780-52B8C84D1A46}"/>
+              </a:ext>
+            </a:extLst>
+          </p:cNvPr>
+          <p:cNvSpPr>
+            <a:spLocks noGrp="1"/>
+          </p:cNvSpPr>
+          <p:nvPr>
+            <p:ph type="title"/>
+          </p:nvPr>
+        </p:nvSpPr>
+        <p:spPr/>
+        <p:txBody>
+          <a:bodyPr/>
+          <a:lstStyle/>
+          <a:p>
+            <a:r>
+              <a:rPr lang="en-GB" dirty="0"/>
+              <a:t>Progress So Far</a:t>
+            </a:r>
+          </a:p>
+        </p:txBody>
+      </p:sp>
+      <p:sp>
+        <p:nvSpPr>
+          <p:cNvPr id="3" name="Content Placeholder 2">
+            <a:extLst>
+              <a:ext uri="{FF2B5EF4-FFF2-40B4-BE49-F238E27FC236}">
+                <a16:creationId xmlns:a16="http://schemas.microsoft.com/office/drawing/2014/main" id="{2209E993-5B77-AE0B-B0DA-3FCEDA63BFCD}"/>
+              </a:ext>
+            </a:extLst>
+          </p:cNvPr>
+          <p:cNvSpPr>
+            <a:spLocks noGrp="1"/>
+          </p:cNvSpPr>
+          <p:nvPr>
+            <p:ph idx="1"/>
+          </p:nvPr>
+        </p:nvSpPr>
+        <p:spPr>
+          <a:xfrm>
+            <a:off x="710184" y="1559169"/>
+            <a:ext cx="5847753" cy="3880773"/>
+          </a:xfrm>
+        </p:spPr>
+        <p:txBody>
+          <a:bodyPr/>
+          <a:lstStyle/>
+          <a:p>
+            <a:r>
+              <a:rPr lang="en-GB" dirty="0"/>
+              <a:t>Fixed all bugs identified so far (e.g. movement bugs, connection errors, timing errors)</a:t>
+            </a:r>
+          </a:p>
+          <a:p>
+            <a:r>
+              <a:rPr lang="en-GB" dirty="0"/>
+              <a:t>Completed all single computer tests and most multiple computer tests</a:t>
+            </a:r>
+          </a:p>
+          <a:p>
+            <a:r>
+              <a:rPr lang="en-GB" dirty="0"/>
+              <a:t>Implemented an automated version of the application that moves users into each other’s vicinity – useful for simulating proper interactions in the application (e.g. multiple users moving at once)</a:t>
+            </a:r>
+          </a:p>
+        </p:txBody>
+      </p:sp>
+      <p:pic>
+        <p:nvPicPr>
+          <p:cNvPr id="5" name="Picture 4" descr="Graphical user interface, text, application&#10;&#10;Description automatically generated">
+            <a:extLst>
+              <a:ext uri="{FF2B5EF4-FFF2-40B4-BE49-F238E27FC236}">
+                <a16:creationId xmlns:a16="http://schemas.microsoft.com/office/drawing/2014/main" id="{7266552D-479F-C469-FD54-6665DF0A0BE7}"/>
+              </a:ext>
+            </a:extLst>
+          </p:cNvPr>
+          <p:cNvPicPr>
+            <a:picLocks noChangeAspect="1"/>
+          </p:cNvPicPr>
+          <p:nvPr/>
+        </p:nvPicPr>
+        <p:blipFill>
+          <a:blip r:embed="rId2">
+            <a:extLst>
+              <a:ext uri="{28A0092B-C50C-407E-A947-70E740481C1C}">
+                <a14:useLocalDpi xmlns:a14="http://schemas.microsoft.com/office/drawing/2010/main" val="0"/>
+              </a:ext>
+            </a:extLst>
+          </a:blip>
+          <a:stretch>
+            <a:fillRect/>
+          </a:stretch>
+        </p:blipFill>
+        <p:spPr>
+          <a:xfrm>
+            <a:off x="738696" y="4416669"/>
+            <a:ext cx="1867161" cy="2248214"/>
+          </a:xfrm>
+          <a:prstGeom prst="rect">
+            <a:avLst/>
+          </a:prstGeom>
+        </p:spPr>
+      </p:pic>
+      <p:pic>
+        <p:nvPicPr>
+          <p:cNvPr id="7" name="Picture 6" descr="Text&#10;&#10;Description automatically generated with medium confidence">
+            <a:extLst>
+              <a:ext uri="{FF2B5EF4-FFF2-40B4-BE49-F238E27FC236}">
+                <a16:creationId xmlns:a16="http://schemas.microsoft.com/office/drawing/2014/main" id="{2E8EDDD0-4EF4-6F24-75F7-8CF4C95091AD}"/>
+              </a:ext>
+            </a:extLst>
+          </p:cNvPr>
+          <p:cNvPicPr>
+            <a:picLocks noChangeAspect="1"/>
+          </p:cNvPicPr>
+          <p:nvPr/>
+        </p:nvPicPr>
+        <p:blipFill>
+          <a:blip r:embed="rId3">
+            <a:extLst>
+              <a:ext uri="{28A0092B-C50C-407E-A947-70E740481C1C}">
+                <a14:useLocalDpi xmlns:a14="http://schemas.microsoft.com/office/drawing/2010/main" val="0"/>
+              </a:ext>
+            </a:extLst>
+          </a:blip>
+          <a:stretch>
+            <a:fillRect/>
+          </a:stretch>
+        </p:blipFill>
+        <p:spPr>
+          <a:xfrm>
+            <a:off x="2711681" y="4416669"/>
+            <a:ext cx="2238687" cy="2229161"/>
+          </a:xfrm>
+          <a:prstGeom prst="rect">
+            <a:avLst/>
+          </a:prstGeom>
+        </p:spPr>
+      </p:pic>
+      <p:pic>
+        <p:nvPicPr>
+          <p:cNvPr id="9" name="Picture 8" descr="Graphical user interface, text&#10;&#10;Description automatically generated with medium confidence">
+            <a:extLst>
+              <a:ext uri="{FF2B5EF4-FFF2-40B4-BE49-F238E27FC236}">
+                <a16:creationId xmlns:a16="http://schemas.microsoft.com/office/drawing/2014/main" id="{2B6B9215-FB27-BA2F-5923-CDA8C12EE706}"/>
+              </a:ext>
+            </a:extLst>
+          </p:cNvPr>
+          <p:cNvPicPr>
+            <a:picLocks noChangeAspect="1"/>
+          </p:cNvPicPr>
+          <p:nvPr/>
+        </p:nvPicPr>
+        <p:blipFill>
+          <a:blip r:embed="rId4">
+            <a:extLst>
+              <a:ext uri="{28A0092B-C50C-407E-A947-70E740481C1C}">
+                <a14:useLocalDpi xmlns:a14="http://schemas.microsoft.com/office/drawing/2010/main" val="0"/>
+              </a:ext>
+            </a:extLst>
+          </a:blip>
+          <a:stretch>
+            <a:fillRect/>
+          </a:stretch>
+        </p:blipFill>
+        <p:spPr>
+          <a:xfrm>
+            <a:off x="5056192" y="4416669"/>
+            <a:ext cx="1838582" cy="2200582"/>
+          </a:xfrm>
+          <a:prstGeom prst="rect">
+            <a:avLst/>
+          </a:prstGeom>
+        </p:spPr>
+      </p:pic>
+      <p:pic>
+        <p:nvPicPr>
+          <p:cNvPr id="11" name="Picture 10" descr="Graphical user interface&#10;&#10;Description automatically generated">
+            <a:extLst>
+              <a:ext uri="{FF2B5EF4-FFF2-40B4-BE49-F238E27FC236}">
+                <a16:creationId xmlns:a16="http://schemas.microsoft.com/office/drawing/2014/main" id="{E780F9ED-99EF-B672-3FAF-1CE22BEA1BE8}"/>
+              </a:ext>
+            </a:extLst>
+          </p:cNvPr>
+          <p:cNvPicPr>
+            <a:picLocks noChangeAspect="1"/>
+          </p:cNvPicPr>
+          <p:nvPr/>
+        </p:nvPicPr>
+        <p:blipFill>
+          <a:blip r:embed="rId5">
+            <a:extLst>
+              <a:ext uri="{28A0092B-C50C-407E-A947-70E740481C1C}">
+                <a14:useLocalDpi xmlns:a14="http://schemas.microsoft.com/office/drawing/2010/main" val="0"/>
+              </a:ext>
+            </a:extLst>
+          </a:blip>
+          <a:stretch>
+            <a:fillRect/>
+          </a:stretch>
+        </p:blipFill>
+        <p:spPr>
+          <a:xfrm>
+            <a:off x="7707438" y="1559169"/>
+            <a:ext cx="3238952" cy="3553321"/>
+          </a:xfrm>
+          <a:prstGeom prst="rect">
+            <a:avLst/>
+          </a:prstGeom>
+        </p:spPr>
+      </p:pic>
+    </p:spTree>
+    <p:extLst>
+      <p:ext uri="{BB962C8B-B14F-4D97-AF65-F5344CB8AC3E}">
+        <p14:creationId xmlns:p14="http://schemas.microsoft.com/office/powerpoint/2010/main" val="4112622028"/>
+      </p:ext>
+    </p:extLst>
+  </p:cSld>
+  <p:clrMapOvr>
+    <a:masterClrMapping/>
+  </p:clrMapOvr>
+</p:sld>
+</file>
+
+<file path=ppt/slides/slide6.xml><?xml version="1.0" encoding="utf-8"?>
+<p:sld xmlns:a="http://schemas.openxmlformats.org/drawingml/2006/main" xmlns:r="http://schemas.openxmlformats.org/officeDocument/2006/relationships" xmlns:p="http://schemas.openxmlformats.org/presentationml/2006/main">
+  <p:cSld>
+    <p:spTree>
+      <p:nvGrpSpPr>
+        <p:cNvPr id="1" name=""/>
+        <p:cNvGrpSpPr/>
+        <p:nvPr/>
+      </p:nvGrpSpPr>
+      <p:grpSpPr>
+        <a:xfrm>
+          <a:off x="0" y="0"/>
+          <a:ext cx="0" cy="0"/>
+          <a:chOff x="0" y="0"/>
+          <a:chExt cx="0" cy="0"/>
+        </a:xfrm>
+      </p:grpSpPr>
+      <p:pic>
+        <p:nvPicPr>
+          <p:cNvPr id="2" name="Desktop 2023.01.26 - 21.37.29.01_Trim">
+            <a:hlinkClick r:id="" action="ppaction://media"/>
+            <a:extLst>
+              <a:ext uri="{FF2B5EF4-FFF2-40B4-BE49-F238E27FC236}">
+                <a16:creationId xmlns:a16="http://schemas.microsoft.com/office/drawing/2014/main" id="{8802B109-AA36-6B88-944D-B27766619CAD}"/>
+              </a:ext>
+            </a:extLst>
+          </p:cNvPr>
+          <p:cNvPicPr>
+            <a:picLocks noChangeAspect="1"/>
+          </p:cNvPicPr>
+          <p:nvPr>
+            <a:videoFile r:link="rId2"/>
+            <p:extLst>
+              <p:ext uri="{DAA4B4D4-6D71-4841-9C94-3DE7FCFB9230}">
+                <p14:media xmlns:p14="http://schemas.microsoft.com/office/powerpoint/2010/main" r:embed="rId1"/>
+              </p:ext>
+            </p:extLst>
+          </p:nvPr>
+        </p:nvPicPr>
+        <p:blipFill>
+          <a:blip r:embed="rId4"/>
+          <a:stretch>
+            <a:fillRect/>
+          </a:stretch>
+        </p:blipFill>
+        <p:spPr>
+          <a:xfrm>
+            <a:off x="0" y="1"/>
+            <a:ext cx="12192000" cy="6858000"/>
+          </a:xfrm>
+          <a:prstGeom prst="rect">
+            <a:avLst/>
+          </a:prstGeom>
+        </p:spPr>
+      </p:pic>
+    </p:spTree>
+    <p:extLst>
+      <p:ext uri="{BB962C8B-B14F-4D97-AF65-F5344CB8AC3E}">
+        <p14:creationId xmlns:p14="http://schemas.microsoft.com/office/powerpoint/2010/main" val="2538264639"/>
+      </p:ext>
+    </p:extLst>
+  </p:cSld>
+  <p:clrMapOvr>
+    <a:masterClrMapping/>
+  </p:clrMapOvr>
+  <p:timing>
+    <p:tnLst>
+      <p:par>
+        <p:cTn id="1" dur="indefinite" restart="never" nodeType="tmRoot">
+          <p:childTnLst>
+            <p:seq concurrent="1" nextAc="seek">
+              <p:cTn id="2" dur="indefinite" nodeType="mainSeq">
+                <p:childTnLst>
+                  <p:par>
+                    <p:cTn id="3" fill="hold">
+                      <p:stCondLst>
+                        <p:cond delay="indefinite"/>
+                      </p:stCondLst>
+                      <p:childTnLst>
+                        <p:par>
+                          <p:cTn id="4" fill="hold">
+                            <p:stCondLst>
+                              <p:cond delay="0"/>
+                            </p:stCondLst>
+                            <p:childTnLst>
+                              <p:par>
+                                <p:cTn id="5" presetID="1" presetClass="mediacall" presetSubtype="0" fill="hold" nodeType="clickEffect">
+                                  <p:stCondLst>
+                                    <p:cond delay="0"/>
+                                  </p:stCondLst>
+                                  <p:childTnLst>
+                                    <p:cmd type="call" cmd="playFrom(0.0)">
+                                      <p:cBhvr>
+                                        <p:cTn id="6" dur="5738" fill="hold"/>
+                                        <p:tgtEl>
+                                          <p:spTgt spid="2"/>
+                                        </p:tgtEl>
+                                      </p:cBhvr>
+                                    </p:cmd>
+                                  </p:childTnLst>
+                                </p:cTn>
+                              </p:par>
+                            </p:childTnLst>
+                          </p:cTn>
+                        </p:par>
+                      </p:childTnLst>
+                    </p:cTn>
+                  </p:par>
+                </p:childTnLst>
+              </p:cTn>
+              <p:prevCondLst>
+                <p:cond evt="onPrev" delay="0">
+                  <p:tgtEl>
+                    <p:sldTgt/>
+                  </p:tgtEl>
+                </p:cond>
+              </p:prevCondLst>
+              <p:nextCondLst>
+                <p:cond evt="onNext" delay="0">
+                  <p:tgtEl>
+                    <p:sldTgt/>
+                  </p:tgtEl>
+                </p:cond>
+              </p:nextCondLst>
+            </p:seq>
+            <p:video>
+              <p:cMediaNode vol="80000">
+                <p:cTn id="7" fill="hold" display="0">
+                  <p:stCondLst>
+                    <p:cond delay="indefinite"/>
+                  </p:stCondLst>
+                </p:cTn>
+                <p:tgtEl>
+                  <p:spTgt spid="2"/>
+                </p:tgtEl>
+              </p:cMediaNode>
+            </p:video>
+            <p:seq concurrent="1" nextAc="seek">
+              <p:cTn id="8" restart="whenNotActive" fill="hold" evtFilter="cancelBubble" nodeType="interactiveSeq">
+                <p:stCondLst>
+                  <p:cond evt="onClick" delay="0">
+                    <p:tgtEl>
+                      <p:spTgt spid="2"/>
+                    </p:tgtEl>
+                  </p:cond>
+                </p:stCondLst>
+                <p:endSync evt="end" delay="0">
+                  <p:rtn val="all"/>
+                </p:endSync>
+                <p:childTnLst>
+                  <p:par>
+                    <p:cTn id="9" fill="hold">
+                      <p:stCondLst>
+                        <p:cond delay="0"/>
+                      </p:stCondLst>
+                      <p:childTnLst>
+                        <p:par>
+                          <p:cTn id="10" fill="hold">
+                            <p:stCondLst>
+                              <p:cond delay="0"/>
+                            </p:stCondLst>
+                            <p:childTnLst>
+                              <p:par>
+                                <p:cTn id="11" presetID="2" presetClass="mediacall" presetSubtype="0" fill="hold" nodeType="clickEffect">
+                                  <p:stCondLst>
+                                    <p:cond delay="0"/>
+                                  </p:stCondLst>
+                                  <p:childTnLst>
+                                    <p:cmd type="call" cmd="togglePause">
+                                      <p:cBhvr>
+                                        <p:cTn id="12" dur="1" fill="hold"/>
+                                        <p:tgtEl>
+                                          <p:spTgt spid="2"/>
+                                        </p:tgtEl>
+                                      </p:cBhvr>
+                                    </p:cmd>
+                                  </p:childTnLst>
+                                </p:cTn>
+                              </p:par>
+                            </p:childTnLst>
+                          </p:cTn>
+                        </p:par>
+                      </p:childTnLst>
+                    </p:cTn>
+                  </p:par>
+                </p:childTnLst>
+              </p:cTn>
+              <p:nextCondLst>
+                <p:cond evt="onClick" delay="0">
+                  <p:tgtEl>
+                    <p:spTgt spid="2"/>
+                  </p:tgtEl>
+                </p:cond>
+              </p:nextCondLst>
+            </p:seq>
+          </p:childTnLst>
+        </p:cTn>
+      </p:par>
+    </p:tnLst>
+  </p:timing>
+</p:sld>
+</file>
+
+<file path=ppt/slides/slide7.xml><?xml version="1.0" encoding="utf-8"?>
+<p:sld xmlns:a="http://schemas.openxmlformats.org/drawingml/2006/main" xmlns:r="http://schemas.openxmlformats.org/officeDocument/2006/relationships" xmlns:p="http://schemas.openxmlformats.org/presentationml/2006/main">
+  <p:cSld>
+    <p:spTree>
+      <p:nvGrpSpPr>
+        <p:cNvPr id="1" name=""/>
+        <p:cNvGrpSpPr/>
+        <p:nvPr/>
+      </p:nvGrpSpPr>
+      <p:grpSpPr>
+        <a:xfrm>
+          <a:off x="0" y="0"/>
+          <a:ext cx="0" cy="0"/>
+          <a:chOff x="0" y="0"/>
+          <a:chExt cx="0" cy="0"/>
+        </a:xfrm>
+      </p:grpSpPr>
+      <p:sp>
+        <p:nvSpPr>
+          <p:cNvPr id="2" name="Title 1">
+            <a:extLst>
+              <a:ext uri="{FF2B5EF4-FFF2-40B4-BE49-F238E27FC236}">
+                <a16:creationId xmlns:a16="http://schemas.microsoft.com/office/drawing/2014/main" id="{068B5DB7-AC88-5C6B-0842-6A123DB41366}"/>
+              </a:ext>
+            </a:extLst>
+          </p:cNvPr>
+          <p:cNvSpPr>
+            <a:spLocks noGrp="1"/>
+          </p:cNvSpPr>
+          <p:nvPr>
+            <p:ph type="title"/>
+          </p:nvPr>
+        </p:nvSpPr>
+        <p:spPr/>
+        <p:txBody>
+          <a:bodyPr/>
+          <a:lstStyle/>
+          <a:p>
+            <a:r>
+              <a:rPr lang="en-GB" dirty="0"/>
+              <a:t>Next Steps</a:t>
+            </a:r>
+          </a:p>
+        </p:txBody>
+      </p:sp>
+      <p:sp>
+        <p:nvSpPr>
+          <p:cNvPr id="3" name="Content Placeholder 2">
+            <a:extLst>
+              <a:ext uri="{FF2B5EF4-FFF2-40B4-BE49-F238E27FC236}">
+                <a16:creationId xmlns:a16="http://schemas.microsoft.com/office/drawing/2014/main" id="{0E9342AA-581B-C622-70CB-2226D3666C62}"/>
+              </a:ext>
+            </a:extLst>
+          </p:cNvPr>
+          <p:cNvSpPr>
+            <a:spLocks noGrp="1"/>
+          </p:cNvSpPr>
+          <p:nvPr>
+            <p:ph idx="1"/>
+          </p:nvPr>
+        </p:nvSpPr>
+        <p:spPr/>
+        <p:txBody>
+          <a:bodyPr/>
+          <a:lstStyle/>
+          <a:p>
+            <a:r>
+              <a:rPr lang="en-GB" dirty="0"/>
+              <a:t>Fix a newly discovered bug where some video streams don’t appear when application is under stress</a:t>
+            </a:r>
+          </a:p>
+          <a:p>
+            <a:r>
+              <a:rPr lang="en-GB" dirty="0"/>
+              <a:t>Complete last few scalability tests (lowered resolution)</a:t>
+            </a:r>
+          </a:p>
+          <a:p>
+            <a:r>
+              <a:rPr lang="en-GB" dirty="0"/>
+              <a:t>Design and implement new version of application that takes advantage of lower fps, lower resolution, and clustered video calls where possible (e.g. lower fps / resolution when user isn’t active / talking, limit number of users in a single video call)</a:t>
+            </a:r>
+          </a:p>
+          <a:p>
+            <a:r>
+              <a:rPr lang="en-GB" dirty="0"/>
+              <a:t>Test new version of application and compare it to original version from last year</a:t>
+            </a:r>
+          </a:p>
+          <a:p>
+            <a:r>
+              <a:rPr lang="en-GB" dirty="0"/>
+              <a:t>Write dissertation…</a:t>
+            </a:r>
+          </a:p>
+        </p:txBody>
+      </p:sp>
+    </p:spTree>
+    <p:extLst>
+      <p:ext uri="{BB962C8B-B14F-4D97-AF65-F5344CB8AC3E}">
+        <p14:creationId xmlns:p14="http://schemas.microsoft.com/office/powerpoint/2010/main" val="1549252507"/>
       </p:ext>
     </p:extLst>
   </p:cSld>
@@ -6647,7 +7207,7 @@
   <a:extraClrSchemeLst/>
   <a:extLst>
     <a:ext uri="{05A4C25C-085E-4340-85A3-A5531E510DB2}">
-      <thm15:themeFamily xmlns:thm15="http://schemas.microsoft.com/office/thememl/2012/main" name="Facet" id="{C0C680CD-088A-49FC-A102-D699147F32B2}" vid="{CFBC31BA-B70F-4F30-BCAA-4F3011E16C4D}"/>
+      <thm15:themeFamily xmlns:thm15="http://schemas.microsoft.com/office/thememl/2012/main" name="Facet" id="{C0C680CD-088A-49FC-A102-D699147F32B2}" vid="{8C59B386-999D-4CB6-B907-9F3997C027CC}"/>
     </a:ext>
   </a:extLst>
 </a:theme>
